--- a/랩미팅/201901/190121 (Jong).pptx
+++ b/랩미팅/201901/190121 (Jong).pptx
@@ -9,8 +9,8 @@
   </p:notesMasterIdLst>
   <p:sldIdLst>
     <p:sldId id="258" r:id="rId2"/>
-    <p:sldId id="296" r:id="rId3"/>
-    <p:sldId id="297" r:id="rId4"/>
+    <p:sldId id="297" r:id="rId3"/>
+    <p:sldId id="298" r:id="rId4"/>
   </p:sldIdLst>
   <p:sldSz cx="9144000" cy="6858000" type="screen4x3"/>
   <p:notesSz cx="6735763" cy="9866313"/>
@@ -3485,13 +3485,6 @@
               </a:rPr>
               <a:t>20190121</a:t>
             </a:r>
-            <a:endParaRPr lang="en-US" altLang="ko-KR" sz="5400" dirty="0" smtClean="0">
-              <a:solidFill>
-                <a:srgbClr val="3333FF"/>
-              </a:solidFill>
-              <a:latin typeface="Arial" panose="020B0604020202020204" pitchFamily="34" charset="0"/>
-              <a:cs typeface="Arial" panose="020B0604020202020204" pitchFamily="34" charset="0"/>
-            </a:endParaRPr>
           </a:p>
           <a:p>
             <a:pPr algn="ctr"/>
@@ -3723,14 +3716,14 @@
       </p:sp>
       <p:sp>
         <p:nvSpPr>
-          <p:cNvPr id="10" name="TextBox 9"/>
+          <p:cNvPr id="19" name="TextBox 18"/>
           <p:cNvSpPr txBox="1"/>
           <p:nvPr/>
         </p:nvSpPr>
         <p:spPr>
           <a:xfrm>
             <a:off x="266007" y="259135"/>
-            <a:ext cx="8611986" cy="400110"/>
+            <a:ext cx="8611986" cy="830997"/>
           </a:xfrm>
           <a:prstGeom prst="rect">
             <a:avLst/>
@@ -3744,69 +3737,99 @@
           <a:lstStyle/>
           <a:p>
             <a:r>
-              <a:rPr lang="en-US" altLang="ko-KR" sz="2000" b="1" dirty="0" smtClean="0">
-                <a:solidFill>
-                  <a:srgbClr val="3333FF"/>
-                </a:solidFill>
-                <a:latin typeface="Arial" panose="020B0604020202020204" pitchFamily="34" charset="0"/>
-                <a:cs typeface="Arial" panose="020B0604020202020204" pitchFamily="34" charset="0"/>
-              </a:rPr>
-              <a:t>THz Electron Paramagnetic Resonance (EPR)</a:t>
-            </a:r>
-          </a:p>
-        </p:txBody>
-      </p:sp>
-      <p:pic>
-        <p:nvPicPr>
-          <p:cNvPr id="1026" name="Picture 2" descr="Splitting of electron spin states"/>
-          <p:cNvPicPr>
-            <a:picLocks noChangeAspect="1" noChangeArrowheads="1"/>
-          </p:cNvPicPr>
-          <p:nvPr/>
-        </p:nvPicPr>
-        <p:blipFill>
-          <a:blip r:embed="rId2">
-            <a:extLst>
-              <a:ext uri="{28A0092B-C50C-407E-A947-70E740481C1C}">
-                <a14:useLocalDpi xmlns:a14="http://schemas.microsoft.com/office/drawing/2010/main" val="0"/>
-              </a:ext>
-            </a:extLst>
-          </a:blip>
-          <a:srcRect/>
-          <a:stretch>
-            <a:fillRect/>
-          </a:stretch>
-        </p:blipFill>
-        <p:spPr bwMode="auto">
-          <a:xfrm>
-            <a:off x="266007" y="943176"/>
-            <a:ext cx="2857500" cy="2009776"/>
-          </a:xfrm>
-          <a:prstGeom prst="rect">
-            <a:avLst/>
-          </a:prstGeom>
-          <a:noFill/>
-          <a:extLst>
-            <a:ext uri="{909E8E84-426E-40DD-AFC4-6F175D3DCCD1}">
-              <a14:hiddenFill xmlns:a14="http://schemas.microsoft.com/office/drawing/2010/main">
-                <a:solidFill>
-                  <a:srgbClr val="FFFFFF"/>
-                </a:solidFill>
-              </a14:hiddenFill>
-            </a:ext>
-          </a:extLst>
-        </p:spPr>
-      </p:pic>
-      <p:sp>
-        <p:nvSpPr>
-          <p:cNvPr id="2" name="TextBox 1"/>
+              <a:rPr lang="en-US" altLang="ko-KR" sz="1600" b="1" dirty="0" smtClean="0">
+                <a:latin typeface="Arial" panose="020B0604020202020204" pitchFamily="34" charset="0"/>
+                <a:cs typeface="Arial" panose="020B0604020202020204" pitchFamily="34" charset="0"/>
+              </a:rPr>
+              <a:t>2011-Optics</a:t>
+            </a:r>
+            <a:r>
+              <a:rPr lang="ko-KR" altLang="en-US" sz="1600" b="1" dirty="0" smtClean="0">
+                <a:latin typeface="Arial" panose="020B0604020202020204" pitchFamily="34" charset="0"/>
+                <a:cs typeface="Arial" panose="020B0604020202020204" pitchFamily="34" charset="0"/>
+              </a:rPr>
+              <a:t> </a:t>
+            </a:r>
+            <a:r>
+              <a:rPr lang="en-US" altLang="ko-KR" sz="1600" b="1" dirty="0" smtClean="0">
+                <a:latin typeface="Arial" panose="020B0604020202020204" pitchFamily="34" charset="0"/>
+                <a:cs typeface="Arial" panose="020B0604020202020204" pitchFamily="34" charset="0"/>
+              </a:rPr>
+              <a:t>Express-19,25-Measurement of electron paramagnetic resonance using terahertz time-domain spectroscopy (</a:t>
+            </a:r>
+            <a:r>
+              <a:rPr lang="en-US" altLang="ko-KR" sz="1600" b="1" dirty="0" err="1" smtClean="0">
+                <a:latin typeface="Arial" panose="020B0604020202020204" pitchFamily="34" charset="0"/>
+                <a:cs typeface="Arial" panose="020B0604020202020204" pitchFamily="34" charset="0"/>
+              </a:rPr>
+              <a:t>Kohei</a:t>
+            </a:r>
+            <a:r>
+              <a:rPr lang="en-US" altLang="ko-KR" sz="1600" b="1" dirty="0" smtClean="0">
+                <a:latin typeface="Arial" panose="020B0604020202020204" pitchFamily="34" charset="0"/>
+                <a:cs typeface="Arial" panose="020B0604020202020204" pitchFamily="34" charset="0"/>
+              </a:rPr>
+              <a:t> </a:t>
+            </a:r>
+            <a:r>
+              <a:rPr lang="en-US" altLang="ko-KR" sz="1600" b="1" dirty="0" err="1" smtClean="0">
+                <a:latin typeface="Arial" panose="020B0604020202020204" pitchFamily="34" charset="0"/>
+                <a:cs typeface="Arial" panose="020B0604020202020204" pitchFamily="34" charset="0"/>
+              </a:rPr>
+              <a:t>Kozuki</a:t>
+            </a:r>
+            <a:r>
+              <a:rPr lang="en-US" altLang="ko-KR" sz="1600" b="1" dirty="0" smtClean="0">
+                <a:latin typeface="Arial" panose="020B0604020202020204" pitchFamily="34" charset="0"/>
+                <a:cs typeface="Arial" panose="020B0604020202020204" pitchFamily="34" charset="0"/>
+              </a:rPr>
+              <a:t>, Takeshi </a:t>
+            </a:r>
+            <a:r>
+              <a:rPr lang="en-US" altLang="ko-KR" sz="1600" b="1" dirty="0" err="1" smtClean="0">
+                <a:latin typeface="Arial" panose="020B0604020202020204" pitchFamily="34" charset="0"/>
+                <a:cs typeface="Arial" panose="020B0604020202020204" pitchFamily="34" charset="0"/>
+              </a:rPr>
+              <a:t>Nagashima</a:t>
+            </a:r>
+            <a:r>
+              <a:rPr lang="en-US" altLang="ko-KR" sz="1600" b="1" dirty="0" smtClean="0">
+                <a:latin typeface="Arial" panose="020B0604020202020204" pitchFamily="34" charset="0"/>
+                <a:cs typeface="Arial" panose="020B0604020202020204" pitchFamily="34" charset="0"/>
+              </a:rPr>
+              <a:t>, Masanori </a:t>
+            </a:r>
+            <a:r>
+              <a:rPr lang="en-US" altLang="ko-KR" sz="1600" b="1" dirty="0" err="1" smtClean="0">
+                <a:latin typeface="Arial" panose="020B0604020202020204" pitchFamily="34" charset="0"/>
+                <a:cs typeface="Arial" panose="020B0604020202020204" pitchFamily="34" charset="0"/>
+              </a:rPr>
+              <a:t>Hangyo</a:t>
+            </a:r>
+            <a:r>
+              <a:rPr lang="en-US" altLang="ko-KR" sz="1600" b="1" dirty="0" smtClean="0">
+                <a:latin typeface="Arial" panose="020B0604020202020204" pitchFamily="34" charset="0"/>
+                <a:cs typeface="Arial" panose="020B0604020202020204" pitchFamily="34" charset="0"/>
+              </a:rPr>
+              <a:t>)</a:t>
+            </a:r>
+            <a:endParaRPr lang="ko-KR" altLang="en-US" sz="1600" b="1" dirty="0">
+              <a:latin typeface="Arial" panose="020B0604020202020204" pitchFamily="34" charset="0"/>
+              <a:cs typeface="Arial" panose="020B0604020202020204" pitchFamily="34" charset="0"/>
+            </a:endParaRPr>
+          </a:p>
+        </p:txBody>
+      </p:sp>
+      <p:sp>
+        <p:nvSpPr>
+          <p:cNvPr id="9" name="TextBox 8"/>
           <p:cNvSpPr txBox="1"/>
           <p:nvPr/>
         </p:nvSpPr>
         <p:spPr>
           <a:xfrm>
-            <a:off x="3624349" y="1213658"/>
-            <a:ext cx="1655261" cy="369332"/>
+            <a:off x="3555759" y="1090132"/>
+            <a:ext cx="5322234" cy="1815882"/>
           </a:xfrm>
           <a:prstGeom prst="rect">
             <a:avLst/>
@@ -3814,29 +3837,226 @@
           <a:noFill/>
         </p:spPr>
         <p:txBody>
-          <a:bodyPr wrap="none" rtlCol="0">
+          <a:bodyPr wrap="square" rtlCol="0">
             <a:spAutoFit/>
           </a:bodyPr>
           <a:lstStyle/>
           <a:p>
-            <a:r>
-              <a:rPr lang="en-US" altLang="ko-KR" dirty="0" smtClean="0">
-                <a:latin typeface="Arial" panose="020B0604020202020204" pitchFamily="34" charset="0"/>
-                <a:cs typeface="Arial" panose="020B0604020202020204" pitchFamily="34" charset="0"/>
-              </a:rPr>
-              <a:t>Zeeman effect</a:t>
-            </a:r>
-            <a:endParaRPr lang="ko-KR" altLang="en-US" dirty="0">
+            <a:pPr marL="285750" indent="-285750">
+              <a:buFontTx/>
+              <a:buChar char="-"/>
+            </a:pPr>
+            <a:r>
+              <a:rPr lang="en-US" altLang="ko-KR" sz="1400" dirty="0" smtClean="0">
+                <a:latin typeface="Arial" panose="020B0604020202020204" pitchFamily="34" charset="0"/>
+                <a:cs typeface="Arial" panose="020B0604020202020204" pitchFamily="34" charset="0"/>
+              </a:rPr>
+              <a:t>Wire grids (wire diameter=5 </a:t>
+            </a:r>
+            <a:r>
+              <a:rPr lang="en-US" altLang="ko-KR" sz="1400" dirty="0">
+                <a:latin typeface="Arial" panose="020B0604020202020204" pitchFamily="34" charset="0"/>
+                <a:cs typeface="Arial" panose="020B0604020202020204" pitchFamily="34" charset="0"/>
+              </a:rPr>
+              <a:t>µm, </a:t>
+            </a:r>
+            <a:r>
+              <a:rPr lang="en-US" altLang="ko-KR" sz="1400" dirty="0" smtClean="0">
+                <a:latin typeface="Arial" panose="020B0604020202020204" pitchFamily="34" charset="0"/>
+                <a:cs typeface="Arial" panose="020B0604020202020204" pitchFamily="34" charset="0"/>
+              </a:rPr>
+              <a:t>spacing=12.5 µm, cutoff frequency=~6 THz</a:t>
+            </a:r>
+            <a:endParaRPr lang="en-US" altLang="ko-KR" sz="1400" dirty="0">
               <a:latin typeface="Arial" panose="020B0604020202020204" pitchFamily="34" charset="0"/>
               <a:cs typeface="Arial" panose="020B0604020202020204" pitchFamily="34" charset="0"/>
             </a:endParaRPr>
           </a:p>
-        </p:txBody>
-      </p:sp>
+          <a:p>
+            <a:pPr marL="285750" indent="-285750">
+              <a:buFontTx/>
+              <a:buChar char="-"/>
+            </a:pPr>
+            <a:r>
+              <a:rPr lang="en-US" altLang="ko-KR" sz="1400" dirty="0" smtClean="0">
+                <a:latin typeface="Arial" panose="020B0604020202020204" pitchFamily="34" charset="0"/>
+                <a:cs typeface="Arial" panose="020B0604020202020204" pitchFamily="34" charset="0"/>
+              </a:rPr>
+              <a:t>A </a:t>
+            </a:r>
+            <a:r>
+              <a:rPr lang="en-US" altLang="ko-KR" sz="1400" dirty="0">
+                <a:latin typeface="Arial" panose="020B0604020202020204" pitchFamily="34" charset="0"/>
+                <a:cs typeface="Arial" panose="020B0604020202020204" pitchFamily="34" charset="0"/>
+              </a:rPr>
+              <a:t>± </a:t>
+            </a:r>
+            <a:r>
+              <a:rPr lang="en-US" altLang="ko-KR" sz="1400" dirty="0" smtClean="0">
+                <a:latin typeface="Arial" panose="020B0604020202020204" pitchFamily="34" charset="0"/>
+                <a:cs typeface="Arial" panose="020B0604020202020204" pitchFamily="34" charset="0"/>
+              </a:rPr>
+              <a:t>10 T superconducting magnet</a:t>
+            </a:r>
+          </a:p>
+          <a:p>
+            <a:pPr marL="285750" indent="-285750">
+              <a:buFontTx/>
+              <a:buChar char="-"/>
+            </a:pPr>
+            <a:r>
+              <a:rPr lang="en-US" altLang="ko-KR" sz="1400" dirty="0" smtClean="0">
+                <a:latin typeface="Arial" panose="020B0604020202020204" pitchFamily="34" charset="0"/>
+                <a:cs typeface="Arial" panose="020B0604020202020204" pitchFamily="34" charset="0"/>
+              </a:rPr>
+              <a:t>PC antennas, pulse (780 nm, 98 fs, 50 MHz, 12mW)</a:t>
+            </a:r>
+          </a:p>
+          <a:p>
+            <a:pPr marL="285750" indent="-285750">
+              <a:buFontTx/>
+              <a:buChar char="-"/>
+            </a:pPr>
+            <a:r>
+              <a:rPr lang="en-US" altLang="ko-KR" sz="1400" dirty="0" smtClean="0">
+                <a:latin typeface="Arial" panose="020B0604020202020204" pitchFamily="34" charset="0"/>
+                <a:cs typeface="Arial" panose="020B0604020202020204" pitchFamily="34" charset="0"/>
+              </a:rPr>
+              <a:t>Sample: Copper(II) sulfate pentahydrate (CuSO</a:t>
+            </a:r>
+            <a:r>
+              <a:rPr lang="en-US" altLang="ko-KR" sz="1400" baseline="-25000" dirty="0" smtClean="0">
+                <a:latin typeface="Arial" panose="020B0604020202020204" pitchFamily="34" charset="0"/>
+                <a:cs typeface="Arial" panose="020B0604020202020204" pitchFamily="34" charset="0"/>
+              </a:rPr>
+              <a:t>4</a:t>
+            </a:r>
+            <a:r>
+              <a:rPr lang="en-US" altLang="ko-KR" sz="1400" dirty="0" smtClean="0">
+                <a:latin typeface="Arial" panose="020B0604020202020204" pitchFamily="34" charset="0"/>
+                <a:cs typeface="Arial" panose="020B0604020202020204" pitchFamily="34" charset="0"/>
+              </a:rPr>
+              <a:t>∙5H</a:t>
+            </a:r>
+            <a:r>
+              <a:rPr lang="en-US" altLang="ko-KR" sz="1400" baseline="-25000" dirty="0" smtClean="0">
+                <a:latin typeface="Arial" panose="020B0604020202020204" pitchFamily="34" charset="0"/>
+                <a:cs typeface="Arial" panose="020B0604020202020204" pitchFamily="34" charset="0"/>
+              </a:rPr>
+              <a:t>2</a:t>
+            </a:r>
+            <a:r>
+              <a:rPr lang="en-US" altLang="ko-KR" sz="1400" dirty="0" smtClean="0">
+                <a:latin typeface="Arial" panose="020B0604020202020204" pitchFamily="34" charset="0"/>
+                <a:cs typeface="Arial" panose="020B0604020202020204" pitchFamily="34" charset="0"/>
+              </a:rPr>
+              <a:t>O)</a:t>
+            </a:r>
+          </a:p>
+          <a:p>
+            <a:pPr marL="285750" indent="-285750">
+              <a:buFontTx/>
+              <a:buChar char="-"/>
+            </a:pPr>
+            <a:r>
+              <a:rPr lang="en-US" altLang="ko-KR" sz="1400" dirty="0" smtClean="0">
+                <a:latin typeface="Arial" panose="020B0604020202020204" pitchFamily="34" charset="0"/>
+                <a:cs typeface="Arial" panose="020B0604020202020204" pitchFamily="34" charset="0"/>
+              </a:rPr>
+              <a:t>Powder pressed to disk(diameter=13 mm, thickness=~2 mm, mass=566 mg)</a:t>
+            </a:r>
+          </a:p>
+          <a:p>
+            <a:pPr marL="285750" indent="-285750">
+              <a:buFontTx/>
+              <a:buChar char="-"/>
+            </a:pPr>
+            <a:r>
+              <a:rPr lang="en-US" altLang="ko-KR" sz="1400" dirty="0" smtClean="0">
+                <a:latin typeface="Arial" panose="020B0604020202020204" pitchFamily="34" charset="0"/>
+                <a:cs typeface="Arial" panose="020B0604020202020204" pitchFamily="34" charset="0"/>
+              </a:rPr>
+              <a:t>50 average, room temperature</a:t>
+            </a:r>
+          </a:p>
+        </p:txBody>
+      </p:sp>
+      <p:pic>
+        <p:nvPicPr>
+          <p:cNvPr id="2" name="그림 1"/>
+          <p:cNvPicPr>
+            <a:picLocks noChangeAspect="1"/>
+          </p:cNvPicPr>
+          <p:nvPr/>
+        </p:nvPicPr>
+        <p:blipFill>
+          <a:blip r:embed="rId2"/>
+          <a:stretch>
+            <a:fillRect/>
+          </a:stretch>
+        </p:blipFill>
+        <p:spPr>
+          <a:xfrm>
+            <a:off x="399011" y="1274798"/>
+            <a:ext cx="3156748" cy="1631830"/>
+          </a:xfrm>
+          <a:prstGeom prst="rect">
+            <a:avLst/>
+          </a:prstGeom>
+        </p:spPr>
+      </p:pic>
+      <p:pic>
+        <p:nvPicPr>
+          <p:cNvPr id="17" name="그림 16"/>
+          <p:cNvPicPr>
+            <a:picLocks noChangeAspect="1"/>
+          </p:cNvPicPr>
+          <p:nvPr/>
+        </p:nvPicPr>
+        <p:blipFill>
+          <a:blip r:embed="rId3"/>
+          <a:stretch>
+            <a:fillRect/>
+          </a:stretch>
+        </p:blipFill>
+        <p:spPr>
+          <a:xfrm>
+            <a:off x="266007" y="3090679"/>
+            <a:ext cx="2719387" cy="3232635"/>
+          </a:xfrm>
+          <a:prstGeom prst="rect">
+            <a:avLst/>
+          </a:prstGeom>
+        </p:spPr>
+      </p:pic>
+      <p:pic>
+        <p:nvPicPr>
+          <p:cNvPr id="18" name="그림 17"/>
+          <p:cNvPicPr>
+            <a:picLocks noChangeAspect="1"/>
+          </p:cNvPicPr>
+          <p:nvPr/>
+        </p:nvPicPr>
+        <p:blipFill>
+          <a:blip r:embed="rId4"/>
+          <a:stretch>
+            <a:fillRect/>
+          </a:stretch>
+        </p:blipFill>
+        <p:spPr>
+          <a:xfrm>
+            <a:off x="2985393" y="3090065"/>
+            <a:ext cx="3383281" cy="3237315"/>
+          </a:xfrm>
+          <a:prstGeom prst="rect">
+            <a:avLst/>
+          </a:prstGeom>
+        </p:spPr>
+      </p:pic>
     </p:spTree>
     <p:extLst>
       <p:ext uri="{BB962C8B-B14F-4D97-AF65-F5344CB8AC3E}">
-        <p14:creationId xmlns:p14="http://schemas.microsoft.com/office/powerpoint/2010/main" val="93110096"/>
+        <p14:creationId xmlns:p14="http://schemas.microsoft.com/office/powerpoint/2010/main" val="128987623"/>
       </p:ext>
     </p:extLst>
   </p:cSld>
@@ -3943,7 +4163,7 @@
                 <a:latin typeface="Arial" panose="020B0604020202020204" pitchFamily="34" charset="0"/>
                 <a:cs typeface="Arial" panose="020B0604020202020204" pitchFamily="34" charset="0"/>
               </a:rPr>
-              <a:t>2011-Optics</a:t>
+              <a:t>2009-Physical Chemistry Chemical Physics-11,31-Frequency domain Fourier transform THz-EPR on</a:t>
             </a:r>
             <a:r>
               <a:rPr lang="ko-KR" altLang="en-US" sz="1600" b="1" dirty="0" smtClean="0">
@@ -3957,20 +4177,69 @@
                 <a:latin typeface="Arial" panose="020B0604020202020204" pitchFamily="34" charset="0"/>
                 <a:cs typeface="Arial" panose="020B0604020202020204" pitchFamily="34" charset="0"/>
               </a:rPr>
-              <a:t>Express-19,25-Measurement of electron paramagnetic resonance using terahertz time-domain spectroscopy (</a:t>
+              <a:t>single molecule magnets using coherent synchrotron radiation</a:t>
+            </a:r>
+            <a:r>
+              <a:rPr lang="en-US" altLang="ko-KR" sz="1600" b="1" dirty="0" smtClean="0">
+                <a:latin typeface="Arial" panose="020B0604020202020204" pitchFamily="34" charset="0"/>
+                <a:cs typeface="Arial" panose="020B0604020202020204" pitchFamily="34" charset="0"/>
+              </a:rPr>
+              <a:t> (Alexander </a:t>
             </a:r>
             <a:r>
               <a:rPr lang="en-US" altLang="ko-KR" sz="1600" b="1" dirty="0" err="1" smtClean="0">
                 <a:latin typeface="Arial" panose="020B0604020202020204" pitchFamily="34" charset="0"/>
                 <a:cs typeface="Arial" panose="020B0604020202020204" pitchFamily="34" charset="0"/>
               </a:rPr>
-              <a:t>Kohei</a:t>
+              <a:t>Schnegg</a:t>
             </a:r>
             <a:r>
               <a:rPr lang="en-US" altLang="ko-KR" sz="1600" b="1" dirty="0" smtClean="0">
                 <a:latin typeface="Arial" panose="020B0604020202020204" pitchFamily="34" charset="0"/>
                 <a:cs typeface="Arial" panose="020B0604020202020204" pitchFamily="34" charset="0"/>
               </a:rPr>
+              <a:t>, Jan </a:t>
+            </a:r>
+            <a:r>
+              <a:rPr lang="en-US" altLang="ko-KR" sz="1600" b="1" dirty="0" err="1" smtClean="0">
+                <a:latin typeface="Arial" panose="020B0604020202020204" pitchFamily="34" charset="0"/>
+                <a:cs typeface="Arial" panose="020B0604020202020204" pitchFamily="34" charset="0"/>
+              </a:rPr>
+              <a:t>Behrends</a:t>
+            </a:r>
+            <a:r>
+              <a:rPr lang="en-US" altLang="ko-KR" sz="1600" b="1" dirty="0" smtClean="0">
+                <a:latin typeface="Arial" panose="020B0604020202020204" pitchFamily="34" charset="0"/>
+                <a:cs typeface="Arial" panose="020B0604020202020204" pitchFamily="34" charset="0"/>
+              </a:rPr>
+              <a:t>, Klaus Lips, Robert </a:t>
+            </a:r>
+            <a:r>
+              <a:rPr lang="en-US" altLang="ko-KR" sz="1600" b="1" dirty="0" err="1" smtClean="0">
+                <a:latin typeface="Arial" panose="020B0604020202020204" pitchFamily="34" charset="0"/>
+                <a:cs typeface="Arial" panose="020B0604020202020204" pitchFamily="34" charset="0"/>
+              </a:rPr>
+              <a:t>Bittl</a:t>
+            </a:r>
+            <a:r>
+              <a:rPr lang="en-US" altLang="ko-KR" sz="1600" b="1" dirty="0" smtClean="0">
+                <a:latin typeface="Arial" panose="020B0604020202020204" pitchFamily="34" charset="0"/>
+                <a:cs typeface="Arial" panose="020B0604020202020204" pitchFamily="34" charset="0"/>
+              </a:rPr>
+              <a:t>, </a:t>
+            </a:r>
+            <a:r>
+              <a:rPr lang="en-US" altLang="ko-KR" sz="1600" b="1" dirty="0" err="1" smtClean="0">
+                <a:latin typeface="Arial" panose="020B0604020202020204" pitchFamily="34" charset="0"/>
+                <a:cs typeface="Arial" panose="020B0604020202020204" pitchFamily="34" charset="0"/>
+              </a:rPr>
+              <a:t>Karsten</a:t>
+            </a:r>
+            <a:r>
+              <a:rPr lang="en-US" altLang="ko-KR" sz="1600" b="1" dirty="0" smtClean="0">
+                <a:latin typeface="Arial" panose="020B0604020202020204" pitchFamily="34" charset="0"/>
+                <a:cs typeface="Arial" panose="020B0604020202020204" pitchFamily="34" charset="0"/>
+              </a:rPr>
               <a:t> </a:t>
             </a:r>
             <a:r>
@@ -3978,35 +4247,7 @@
                 <a:latin typeface="Arial" panose="020B0604020202020204" pitchFamily="34" charset="0"/>
                 <a:cs typeface="Arial" panose="020B0604020202020204" pitchFamily="34" charset="0"/>
               </a:rPr>
-              <a:t>Kozuki</a:t>
-            </a:r>
-            <a:r>
-              <a:rPr lang="en-US" altLang="ko-KR" sz="1600" b="1" dirty="0" smtClean="0">
-                <a:latin typeface="Arial" panose="020B0604020202020204" pitchFamily="34" charset="0"/>
-                <a:cs typeface="Arial" panose="020B0604020202020204" pitchFamily="34" charset="0"/>
-              </a:rPr>
-              <a:t>, Takeshi </a:t>
-            </a:r>
-            <a:r>
-              <a:rPr lang="en-US" altLang="ko-KR" sz="1600" b="1" dirty="0" err="1" smtClean="0">
-                <a:latin typeface="Arial" panose="020B0604020202020204" pitchFamily="34" charset="0"/>
-                <a:cs typeface="Arial" panose="020B0604020202020204" pitchFamily="34" charset="0"/>
-              </a:rPr>
-              <a:t>Nagashima</a:t>
-            </a:r>
-            <a:r>
-              <a:rPr lang="en-US" altLang="ko-KR" sz="1600" b="1" dirty="0" smtClean="0">
-                <a:latin typeface="Arial" panose="020B0604020202020204" pitchFamily="34" charset="0"/>
-                <a:cs typeface="Arial" panose="020B0604020202020204" pitchFamily="34" charset="0"/>
-              </a:rPr>
-              <a:t>, Masanori </a:t>
-            </a:r>
-            <a:r>
-              <a:rPr lang="en-US" altLang="ko-KR" sz="1600" b="1" dirty="0" err="1" smtClean="0">
-                <a:latin typeface="Arial" panose="020B0604020202020204" pitchFamily="34" charset="0"/>
-                <a:cs typeface="Arial" panose="020B0604020202020204" pitchFamily="34" charset="0"/>
-              </a:rPr>
-              <a:t>Hangyo</a:t>
+              <a:t>Holdack</a:t>
             </a:r>
             <a:r>
               <a:rPr lang="en-US" altLang="ko-KR" sz="1600" b="1" dirty="0" smtClean="0">
@@ -4019,6 +4260,238 @@
               <a:latin typeface="Arial" panose="020B0604020202020204" pitchFamily="34" charset="0"/>
               <a:cs typeface="Arial" panose="020B0604020202020204" pitchFamily="34" charset="0"/>
             </a:endParaRPr>
+          </a:p>
+        </p:txBody>
+      </p:sp>
+      <p:sp>
+        <p:nvSpPr>
+          <p:cNvPr id="9" name="TextBox 8"/>
+          <p:cNvSpPr txBox="1"/>
+          <p:nvPr/>
+        </p:nvSpPr>
+        <p:spPr>
+          <a:xfrm>
+            <a:off x="3628135" y="1087744"/>
+            <a:ext cx="5322234" cy="1169551"/>
+          </a:xfrm>
+          <a:prstGeom prst="rect">
+            <a:avLst/>
+          </a:prstGeom>
+          <a:noFill/>
+        </p:spPr>
+        <p:txBody>
+          <a:bodyPr wrap="square" rtlCol="0">
+            <a:spAutoFit/>
+          </a:bodyPr>
+          <a:lstStyle/>
+          <a:p>
+            <a:pPr marL="285750" indent="-285750">
+              <a:buFontTx/>
+              <a:buChar char="-"/>
+            </a:pPr>
+            <a:r>
+              <a:rPr lang="en-US" altLang="ko-KR" sz="1400" dirty="0" smtClean="0">
+                <a:latin typeface="Arial" panose="020B0604020202020204" pitchFamily="34" charset="0"/>
+                <a:cs typeface="Arial" panose="020B0604020202020204" pitchFamily="34" charset="0"/>
+              </a:rPr>
+              <a:t>Liquid helium-cooled cryostat(T=1.5-300 K)</a:t>
+            </a:r>
+            <a:endParaRPr lang="en-US" altLang="ko-KR" sz="1400" dirty="0">
+              <a:latin typeface="Arial" panose="020B0604020202020204" pitchFamily="34" charset="0"/>
+              <a:cs typeface="Arial" panose="020B0604020202020204" pitchFamily="34" charset="0"/>
+            </a:endParaRPr>
+          </a:p>
+          <a:p>
+            <a:pPr marL="285750" indent="-285750">
+              <a:buFontTx/>
+              <a:buChar char="-"/>
+            </a:pPr>
+            <a:r>
+              <a:rPr lang="en-US" altLang="ko-KR" sz="1400" dirty="0" smtClean="0">
+                <a:latin typeface="Arial" panose="020B0604020202020204" pitchFamily="34" charset="0"/>
+                <a:cs typeface="Arial" panose="020B0604020202020204" pitchFamily="34" charset="0"/>
+              </a:rPr>
+              <a:t>A ±10 T superconducting magnet</a:t>
+            </a:r>
+          </a:p>
+          <a:p>
+            <a:pPr marL="285750" indent="-285750">
+              <a:buFontTx/>
+              <a:buChar char="-"/>
+            </a:pPr>
+            <a:r>
+              <a:rPr lang="en-US" altLang="ko-KR" sz="1400" dirty="0" smtClean="0">
+                <a:latin typeface="Arial" panose="020B0604020202020204" pitchFamily="34" charset="0"/>
+                <a:cs typeface="Arial" panose="020B0604020202020204" pitchFamily="34" charset="0"/>
+              </a:rPr>
+              <a:t>FTIR-spectrometer(Bruker </a:t>
+            </a:r>
+            <a:r>
+              <a:rPr lang="en-US" altLang="ko-KR" sz="1400" dirty="0" err="1" smtClean="0">
+                <a:latin typeface="Arial" panose="020B0604020202020204" pitchFamily="34" charset="0"/>
+                <a:cs typeface="Arial" panose="020B0604020202020204" pitchFamily="34" charset="0"/>
+              </a:rPr>
+              <a:t>Verex</a:t>
+            </a:r>
+            <a:r>
+              <a:rPr lang="en-US" altLang="ko-KR" sz="1400" dirty="0" smtClean="0">
+                <a:latin typeface="Arial" panose="020B0604020202020204" pitchFamily="34" charset="0"/>
+                <a:cs typeface="Arial" panose="020B0604020202020204" pitchFamily="34" charset="0"/>
+              </a:rPr>
+              <a:t> 70, min. bandwidth: 0.5 cm</a:t>
+            </a:r>
+            <a:r>
+              <a:rPr lang="en-US" altLang="ko-KR" sz="1400" baseline="30000" dirty="0" smtClean="0">
+                <a:latin typeface="Arial" panose="020B0604020202020204" pitchFamily="34" charset="0"/>
+                <a:cs typeface="Arial" panose="020B0604020202020204" pitchFamily="34" charset="0"/>
+              </a:rPr>
+              <a:t>-1</a:t>
+            </a:r>
+            <a:r>
+              <a:rPr lang="en-US" altLang="ko-KR" sz="1400" dirty="0" smtClean="0">
+                <a:latin typeface="Arial" panose="020B0604020202020204" pitchFamily="34" charset="0"/>
+                <a:cs typeface="Arial" panose="020B0604020202020204" pitchFamily="34" charset="0"/>
+              </a:rPr>
+              <a:t>)</a:t>
+            </a:r>
+          </a:p>
+          <a:p>
+            <a:pPr marL="285750" indent="-285750">
+              <a:buFontTx/>
+              <a:buChar char="-"/>
+            </a:pPr>
+            <a:r>
+              <a:rPr lang="en-US" altLang="ko-KR" sz="1400" dirty="0" smtClean="0">
+                <a:latin typeface="Arial" panose="020B0604020202020204" pitchFamily="34" charset="0"/>
+                <a:cs typeface="Arial" panose="020B0604020202020204" pitchFamily="34" charset="0"/>
+              </a:rPr>
+              <a:t>Detection: liquid helium-cooled </a:t>
+            </a:r>
+            <a:r>
+              <a:rPr lang="en-US" altLang="ko-KR" sz="1400" dirty="0" err="1" smtClean="0">
+                <a:latin typeface="Arial" panose="020B0604020202020204" pitchFamily="34" charset="0"/>
+                <a:cs typeface="Arial" panose="020B0604020202020204" pitchFamily="34" charset="0"/>
+              </a:rPr>
+              <a:t>InSb</a:t>
+            </a:r>
+            <a:r>
+              <a:rPr lang="en-US" altLang="ko-KR" sz="1400" dirty="0" smtClean="0">
+                <a:latin typeface="Arial" panose="020B0604020202020204" pitchFamily="34" charset="0"/>
+                <a:cs typeface="Arial" panose="020B0604020202020204" pitchFamily="34" charset="0"/>
+              </a:rPr>
+              <a:t> and Si bolometers</a:t>
+            </a:r>
+          </a:p>
+          <a:p>
+            <a:pPr marL="285750" indent="-285750">
+              <a:buFontTx/>
+              <a:buChar char="-"/>
+            </a:pPr>
+            <a:r>
+              <a:rPr lang="en-US" altLang="ko-KR" sz="1400" dirty="0" smtClean="0">
+                <a:latin typeface="Arial" panose="020B0604020202020204" pitchFamily="34" charset="0"/>
+                <a:cs typeface="Arial" panose="020B0604020202020204" pitchFamily="34" charset="0"/>
+              </a:rPr>
+              <a:t>Sample: Mn</a:t>
+            </a:r>
+            <a:r>
+              <a:rPr lang="en-US" altLang="ko-KR" sz="1400" baseline="-25000" dirty="0" smtClean="0">
+                <a:latin typeface="Arial" panose="020B0604020202020204" pitchFamily="34" charset="0"/>
+                <a:cs typeface="Arial" panose="020B0604020202020204" pitchFamily="34" charset="0"/>
+              </a:rPr>
+              <a:t>12</a:t>
+            </a:r>
+            <a:r>
+              <a:rPr lang="en-US" altLang="ko-KR" sz="1400" dirty="0" smtClean="0">
+                <a:latin typeface="Arial" panose="020B0604020202020204" pitchFamily="34" charset="0"/>
+                <a:cs typeface="Arial" panose="020B0604020202020204" pitchFamily="34" charset="0"/>
+              </a:rPr>
+              <a:t>O</a:t>
+            </a:r>
+            <a:r>
+              <a:rPr lang="en-US" altLang="ko-KR" sz="1400" baseline="-25000" dirty="0" smtClean="0">
+                <a:latin typeface="Arial" panose="020B0604020202020204" pitchFamily="34" charset="0"/>
+                <a:cs typeface="Arial" panose="020B0604020202020204" pitchFamily="34" charset="0"/>
+              </a:rPr>
+              <a:t>12</a:t>
+            </a:r>
+            <a:r>
+              <a:rPr lang="en-US" altLang="ko-KR" sz="1400" dirty="0" smtClean="0">
+                <a:latin typeface="Arial" panose="020B0604020202020204" pitchFamily="34" charset="0"/>
+                <a:cs typeface="Arial" panose="020B0604020202020204" pitchFamily="34" charset="0"/>
+              </a:rPr>
+              <a:t>(CH</a:t>
+            </a:r>
+            <a:r>
+              <a:rPr lang="en-US" altLang="ko-KR" sz="1400" baseline="-25000" dirty="0" smtClean="0">
+                <a:latin typeface="Arial" panose="020B0604020202020204" pitchFamily="34" charset="0"/>
+                <a:cs typeface="Arial" panose="020B0604020202020204" pitchFamily="34" charset="0"/>
+              </a:rPr>
+              <a:t>3</a:t>
+            </a:r>
+            <a:r>
+              <a:rPr lang="en-US" altLang="ko-KR" sz="1400" dirty="0" smtClean="0">
+                <a:latin typeface="Arial" panose="020B0604020202020204" pitchFamily="34" charset="0"/>
+                <a:cs typeface="Arial" panose="020B0604020202020204" pitchFamily="34" charset="0"/>
+              </a:rPr>
+              <a:t>COO)</a:t>
+            </a:r>
+            <a:r>
+              <a:rPr lang="en-US" altLang="ko-KR" sz="1400" baseline="-25000" dirty="0" smtClean="0">
+                <a:latin typeface="Arial" panose="020B0604020202020204" pitchFamily="34" charset="0"/>
+                <a:cs typeface="Arial" panose="020B0604020202020204" pitchFamily="34" charset="0"/>
+              </a:rPr>
+              <a:t>16</a:t>
+            </a:r>
+            <a:r>
+              <a:rPr lang="en-US" altLang="ko-KR" sz="1400" dirty="0" smtClean="0">
+                <a:latin typeface="Arial" panose="020B0604020202020204" pitchFamily="34" charset="0"/>
+                <a:cs typeface="Arial" panose="020B0604020202020204" pitchFamily="34" charset="0"/>
+              </a:rPr>
+              <a:t>(H</a:t>
+            </a:r>
+            <a:r>
+              <a:rPr lang="en-US" altLang="ko-KR" sz="1400" baseline="-25000" dirty="0" smtClean="0">
+                <a:latin typeface="Arial" panose="020B0604020202020204" pitchFamily="34" charset="0"/>
+                <a:cs typeface="Arial" panose="020B0604020202020204" pitchFamily="34" charset="0"/>
+              </a:rPr>
+              <a:t>2</a:t>
+            </a:r>
+            <a:r>
+              <a:rPr lang="en-US" altLang="ko-KR" sz="1400" dirty="0" smtClean="0">
+                <a:latin typeface="Arial" panose="020B0604020202020204" pitchFamily="34" charset="0"/>
+                <a:cs typeface="Arial" panose="020B0604020202020204" pitchFamily="34" charset="0"/>
+              </a:rPr>
+              <a:t>O)</a:t>
+            </a:r>
+            <a:r>
+              <a:rPr lang="en-US" altLang="ko-KR" sz="1400" baseline="-25000" dirty="0" smtClean="0">
+                <a:latin typeface="Arial" panose="020B0604020202020204" pitchFamily="34" charset="0"/>
+                <a:cs typeface="Arial" panose="020B0604020202020204" pitchFamily="34" charset="0"/>
+              </a:rPr>
+              <a:t>4</a:t>
+            </a:r>
+            <a:r>
+              <a:rPr lang="en-US" altLang="ko-KR" sz="1400" dirty="0" smtClean="0">
+                <a:latin typeface="Arial" panose="020B0604020202020204" pitchFamily="34" charset="0"/>
+                <a:cs typeface="Arial" panose="020B0604020202020204" pitchFamily="34" charset="0"/>
+              </a:rPr>
+              <a:t> (Mn</a:t>
+            </a:r>
+            <a:r>
+              <a:rPr lang="en-US" altLang="ko-KR" sz="1400" baseline="-25000" dirty="0" smtClean="0">
+                <a:latin typeface="Arial" panose="020B0604020202020204" pitchFamily="34" charset="0"/>
+                <a:cs typeface="Arial" panose="020B0604020202020204" pitchFamily="34" charset="0"/>
+              </a:rPr>
+              <a:t>12</a:t>
+            </a:r>
+            <a:r>
+              <a:rPr lang="en-US" altLang="ko-KR" sz="1400" dirty="0" smtClean="0">
+                <a:latin typeface="Arial" panose="020B0604020202020204" pitchFamily="34" charset="0"/>
+                <a:cs typeface="Arial" panose="020B0604020202020204" pitchFamily="34" charset="0"/>
+              </a:rPr>
+              <a:t>Ac)</a:t>
+            </a:r>
           </a:p>
         </p:txBody>
       </p:sp>
@@ -4038,32 +4511,8 @@
         </p:blipFill>
         <p:spPr>
           <a:xfrm>
-            <a:off x="3990419" y="1459773"/>
-            <a:ext cx="2520000" cy="2288909"/>
-          </a:xfrm>
-          <a:prstGeom prst="rect">
-            <a:avLst/>
-          </a:prstGeom>
-        </p:spPr>
-      </p:pic>
-      <p:pic>
-        <p:nvPicPr>
-          <p:cNvPr id="6" name="그림 5"/>
-          <p:cNvPicPr>
-            <a:picLocks noChangeAspect="1"/>
-          </p:cNvPicPr>
-          <p:nvPr/>
-        </p:nvPicPr>
-        <p:blipFill>
-          <a:blip r:embed="rId3"/>
-          <a:stretch>
-            <a:fillRect/>
-          </a:stretch>
-        </p:blipFill>
-        <p:spPr>
-          <a:xfrm>
-            <a:off x="6624000" y="1454381"/>
-            <a:ext cx="2520000" cy="2289937"/>
+            <a:off x="418898" y="997037"/>
+            <a:ext cx="2126932" cy="2940044"/>
           </a:xfrm>
           <a:prstGeom prst="rect">
             <a:avLst/>
@@ -4079,6 +4528,30 @@
           <p:nvPr/>
         </p:nvPicPr>
         <p:blipFill>
+          <a:blip r:embed="rId3"/>
+          <a:stretch>
+            <a:fillRect/>
+          </a:stretch>
+        </p:blipFill>
+        <p:spPr>
+          <a:xfrm>
+            <a:off x="2587002" y="2567427"/>
+            <a:ext cx="3007408" cy="3478789"/>
+          </a:xfrm>
+          <a:prstGeom prst="rect">
+            <a:avLst/>
+          </a:prstGeom>
+        </p:spPr>
+      </p:pic>
+      <p:pic>
+        <p:nvPicPr>
+          <p:cNvPr id="8" name="그림 7"/>
+          <p:cNvPicPr>
+            <a:picLocks noChangeAspect="1"/>
+          </p:cNvPicPr>
+          <p:nvPr/>
+        </p:nvPicPr>
+        <p:blipFill>
           <a:blip r:embed="rId4"/>
           <a:stretch>
             <a:fillRect/>
@@ -4086,254 +4559,18 @@
         </p:blipFill>
         <p:spPr>
           <a:xfrm>
-            <a:off x="1287406" y="3939215"/>
-            <a:ext cx="1681613" cy="1600766"/>
+            <a:off x="5594409" y="2567428"/>
+            <a:ext cx="3306157" cy="3478789"/>
           </a:xfrm>
           <a:prstGeom prst="rect">
             <a:avLst/>
           </a:prstGeom>
         </p:spPr>
       </p:pic>
-      <p:sp>
-        <p:nvSpPr>
-          <p:cNvPr id="9" name="TextBox 8"/>
-          <p:cNvSpPr txBox="1"/>
-          <p:nvPr/>
-        </p:nvSpPr>
-        <p:spPr>
-          <a:xfrm>
-            <a:off x="3908336" y="1086272"/>
-            <a:ext cx="5431327" cy="523220"/>
-          </a:xfrm>
-          <a:prstGeom prst="rect">
-            <a:avLst/>
-          </a:prstGeom>
-          <a:noFill/>
-        </p:spPr>
-        <p:txBody>
-          <a:bodyPr wrap="square" rtlCol="0">
-            <a:spAutoFit/>
-          </a:bodyPr>
-          <a:lstStyle/>
-          <a:p>
-            <a:r>
-              <a:rPr lang="en-US" altLang="ko-KR" sz="1400" dirty="0" smtClean="0">
-                <a:latin typeface="Arial" panose="020B0604020202020204" pitchFamily="34" charset="0"/>
-                <a:cs typeface="Arial" panose="020B0604020202020204" pitchFamily="34" charset="0"/>
-              </a:rPr>
-              <a:t>Post-etching: wire</a:t>
-            </a:r>
-            <a:r>
-              <a:rPr lang="ko-KR" altLang="en-US" sz="1400" dirty="0" smtClean="0">
-                <a:latin typeface="Arial" panose="020B0604020202020204" pitchFamily="34" charset="0"/>
-                <a:cs typeface="Arial" panose="020B0604020202020204" pitchFamily="34" charset="0"/>
-              </a:rPr>
-              <a:t>가 끊어진 이후에도 </a:t>
-            </a:r>
-            <a:r>
-              <a:rPr lang="en-US" altLang="ko-KR" sz="1400" dirty="0" smtClean="0">
-                <a:latin typeface="Arial" panose="020B0604020202020204" pitchFamily="34" charset="0"/>
-                <a:cs typeface="Arial" panose="020B0604020202020204" pitchFamily="34" charset="0"/>
-              </a:rPr>
-              <a:t>etching process</a:t>
-            </a:r>
-            <a:r>
-              <a:rPr lang="ko-KR" altLang="en-US" sz="1400" dirty="0" smtClean="0">
-                <a:latin typeface="Arial" panose="020B0604020202020204" pitchFamily="34" charset="0"/>
-                <a:cs typeface="Arial" panose="020B0604020202020204" pitchFamily="34" charset="0"/>
-              </a:rPr>
-              <a:t>를 진행하는 것</a:t>
-            </a:r>
-            <a:endParaRPr lang="ko-KR" altLang="en-US" sz="1400" dirty="0">
-              <a:latin typeface="Arial" panose="020B0604020202020204" pitchFamily="34" charset="0"/>
-              <a:cs typeface="Arial" panose="020B0604020202020204" pitchFamily="34" charset="0"/>
-            </a:endParaRPr>
-          </a:p>
-        </p:txBody>
-      </p:sp>
-      <p:sp>
-        <p:nvSpPr>
-          <p:cNvPr id="10" name="TextBox 9"/>
-          <p:cNvSpPr txBox="1"/>
-          <p:nvPr/>
-        </p:nvSpPr>
-        <p:spPr>
-          <a:xfrm>
-            <a:off x="266007" y="5594223"/>
-            <a:ext cx="8611986" cy="1015663"/>
-          </a:xfrm>
-          <a:prstGeom prst="rect">
-            <a:avLst/>
-          </a:prstGeom>
-          <a:noFill/>
-        </p:spPr>
-        <p:txBody>
-          <a:bodyPr wrap="square" rtlCol="0">
-            <a:spAutoFit/>
-          </a:bodyPr>
-          <a:lstStyle/>
-          <a:p>
-            <a:pPr marL="285750" indent="-285750">
-              <a:buFontTx/>
-              <a:buChar char="-"/>
-            </a:pPr>
-            <a:r>
-              <a:rPr lang="en-US" altLang="ko-KR" sz="2000" dirty="0" smtClean="0">
-                <a:latin typeface="Arial" panose="020B0604020202020204" pitchFamily="34" charset="0"/>
-                <a:cs typeface="Arial" panose="020B0604020202020204" pitchFamily="34" charset="0"/>
-              </a:rPr>
-              <a:t>An </a:t>
-            </a:r>
-            <a:r>
-              <a:rPr lang="en-US" altLang="ko-KR" sz="2000" dirty="0">
-                <a:latin typeface="Arial" panose="020B0604020202020204" pitchFamily="34" charset="0"/>
-                <a:cs typeface="Arial" panose="020B0604020202020204" pitchFamily="34" charset="0"/>
-              </a:rPr>
-              <a:t>average of at least 5 tips</a:t>
-            </a:r>
-            <a:r>
-              <a:rPr lang="en-US" altLang="ko-KR" sz="2000" dirty="0" smtClean="0">
-                <a:latin typeface="Arial" panose="020B0604020202020204" pitchFamily="34" charset="0"/>
-                <a:cs typeface="Arial" panose="020B0604020202020204" pitchFamily="34" charset="0"/>
-              </a:rPr>
-              <a:t>.</a:t>
-            </a:r>
-          </a:p>
-          <a:p>
-            <a:pPr marL="285750" indent="-285750">
-              <a:buFontTx/>
-              <a:buChar char="-"/>
-            </a:pPr>
-            <a:r>
-              <a:rPr lang="en-US" altLang="ko-KR" sz="2000" dirty="0" smtClean="0">
-                <a:latin typeface="Arial" panose="020B0604020202020204" pitchFamily="34" charset="0"/>
-                <a:cs typeface="Arial" panose="020B0604020202020204" pitchFamily="34" charset="0"/>
-              </a:rPr>
-              <a:t>“This </a:t>
-            </a:r>
-            <a:r>
-              <a:rPr lang="en-US" altLang="ko-KR" sz="2000" dirty="0">
-                <a:latin typeface="Arial" panose="020B0604020202020204" pitchFamily="34" charset="0"/>
-                <a:cs typeface="Arial" panose="020B0604020202020204" pitchFamily="34" charset="0"/>
-              </a:rPr>
-              <a:t>method produces tips in a very controlled and reproducible manner</a:t>
-            </a:r>
-            <a:r>
-              <a:rPr lang="en-US" altLang="ko-KR" sz="2000" dirty="0" smtClean="0">
-                <a:latin typeface="Arial" panose="020B0604020202020204" pitchFamily="34" charset="0"/>
-                <a:cs typeface="Arial" panose="020B0604020202020204" pitchFamily="34" charset="0"/>
-              </a:rPr>
-              <a:t>.”</a:t>
-            </a:r>
-            <a:endParaRPr lang="ko-KR" altLang="en-US" sz="2000" dirty="0">
-              <a:latin typeface="Arial" panose="020B0604020202020204" pitchFamily="34" charset="0"/>
-              <a:cs typeface="Arial" panose="020B0604020202020204" pitchFamily="34" charset="0"/>
-            </a:endParaRPr>
-          </a:p>
-        </p:txBody>
-      </p:sp>
-      <p:sp>
-        <p:nvSpPr>
-          <p:cNvPr id="12" name="TextBox 11"/>
-          <p:cNvSpPr txBox="1"/>
-          <p:nvPr/>
-        </p:nvSpPr>
-        <p:spPr>
-          <a:xfrm>
-            <a:off x="3289751" y="4159257"/>
-            <a:ext cx="5051031" cy="1015663"/>
-          </a:xfrm>
-          <a:prstGeom prst="rect">
-            <a:avLst/>
-          </a:prstGeom>
-          <a:noFill/>
-        </p:spPr>
-        <p:txBody>
-          <a:bodyPr wrap="square" rtlCol="0">
-            <a:spAutoFit/>
-          </a:bodyPr>
-          <a:lstStyle/>
-          <a:p>
-            <a:r>
-              <a:rPr lang="en-US" altLang="ko-KR" sz="2000" dirty="0" smtClean="0">
-                <a:latin typeface="Arial" panose="020B0604020202020204" pitchFamily="34" charset="0"/>
-                <a:cs typeface="Arial" panose="020B0604020202020204" pitchFamily="34" charset="0"/>
-              </a:rPr>
-              <a:t>Two step etching</a:t>
-            </a:r>
-          </a:p>
-          <a:p>
-            <a:pPr marL="342900" indent="-342900">
-              <a:buFontTx/>
-              <a:buChar char="-"/>
-            </a:pPr>
-            <a:r>
-              <a:rPr lang="en-US" altLang="ko-KR" sz="2000" dirty="0" smtClean="0">
-                <a:latin typeface="Arial" panose="020B0604020202020204" pitchFamily="34" charset="0"/>
-                <a:cs typeface="Arial" panose="020B0604020202020204" pitchFamily="34" charset="0"/>
-              </a:rPr>
-              <a:t>Coarse etching: 2M KOH, DC 3V</a:t>
-            </a:r>
-          </a:p>
-          <a:p>
-            <a:pPr marL="342900" indent="-342900">
-              <a:buFontTx/>
-              <a:buChar char="-"/>
-            </a:pPr>
-            <a:r>
-              <a:rPr lang="en-US" altLang="ko-KR" sz="2000" dirty="0" smtClean="0">
-                <a:latin typeface="Arial" panose="020B0604020202020204" pitchFamily="34" charset="0"/>
-                <a:cs typeface="Arial" panose="020B0604020202020204" pitchFamily="34" charset="0"/>
-              </a:rPr>
-              <a:t>post etching: 0.1M KOH, DC 0.5 V</a:t>
-            </a:r>
-            <a:endParaRPr lang="ko-KR" altLang="en-US" sz="2000" dirty="0">
-              <a:latin typeface="Arial" panose="020B0604020202020204" pitchFamily="34" charset="0"/>
-              <a:cs typeface="Arial" panose="020B0604020202020204" pitchFamily="34" charset="0"/>
-            </a:endParaRPr>
-          </a:p>
-        </p:txBody>
-      </p:sp>
-      <p:sp>
-        <p:nvSpPr>
-          <p:cNvPr id="13" name="TextBox 12"/>
-          <p:cNvSpPr txBox="1"/>
-          <p:nvPr/>
-        </p:nvSpPr>
-        <p:spPr>
-          <a:xfrm>
-            <a:off x="7664088" y="2582744"/>
-            <a:ext cx="1114425" cy="461665"/>
-          </a:xfrm>
-          <a:prstGeom prst="rect">
-            <a:avLst/>
-          </a:prstGeom>
-          <a:noFill/>
-        </p:spPr>
-        <p:txBody>
-          <a:bodyPr wrap="square" rtlCol="0">
-            <a:spAutoFit/>
-          </a:bodyPr>
-          <a:lstStyle/>
-          <a:p>
-            <a:r>
-              <a:rPr lang="en-US" altLang="ko-KR" sz="1200" dirty="0" smtClean="0">
-                <a:latin typeface="Arial" panose="020B0604020202020204" pitchFamily="34" charset="0"/>
-                <a:cs typeface="Arial" panose="020B0604020202020204" pitchFamily="34" charset="0"/>
-              </a:rPr>
-              <a:t>Switch: 500 ns</a:t>
-            </a:r>
-            <a:endParaRPr lang="ko-KR" altLang="en-US" sz="1200" dirty="0">
-              <a:latin typeface="Arial" panose="020B0604020202020204" pitchFamily="34" charset="0"/>
-              <a:cs typeface="Arial" panose="020B0604020202020204" pitchFamily="34" charset="0"/>
-            </a:endParaRPr>
-          </a:p>
-        </p:txBody>
-      </p:sp>
     </p:spTree>
     <p:extLst>
       <p:ext uri="{BB962C8B-B14F-4D97-AF65-F5344CB8AC3E}">
-        <p14:creationId xmlns:p14="http://schemas.microsoft.com/office/powerpoint/2010/main" val="128987623"/>
+        <p14:creationId xmlns:p14="http://schemas.microsoft.com/office/powerpoint/2010/main" val="194997006"/>
       </p:ext>
     </p:extLst>
   </p:cSld>

--- a/랩미팅/201901/190121 (Jong).pptx
+++ b/랩미팅/201901/190121 (Jong).pptx
@@ -5,12 +5,13 @@
     <p:sldMasterId id="2147483660" r:id="rId1"/>
   </p:sldMasterIdLst>
   <p:notesMasterIdLst>
-    <p:notesMasterId r:id="rId5"/>
+    <p:notesMasterId r:id="rId6"/>
   </p:notesMasterIdLst>
   <p:sldIdLst>
     <p:sldId id="258" r:id="rId2"/>
     <p:sldId id="297" r:id="rId3"/>
     <p:sldId id="298" r:id="rId4"/>
+    <p:sldId id="299" r:id="rId5"/>
   </p:sldIdLst>
   <p:sldSz cx="9144000" cy="6858000" type="screen4x3"/>
   <p:notesSz cx="6735763" cy="9866313"/>
@@ -199,7 +200,7 @@
           <a:p>
             <a:fld id="{A9D6DECA-6E4E-4D09-9277-E151A2E3F74C}" type="datetimeFigureOut">
               <a:rPr lang="ko-KR" altLang="en-US" smtClean="0"/>
-              <a:t>2019-01-20</a:t>
+              <a:t>2019-01-21</a:t>
             </a:fld>
             <a:endParaRPr lang="ko-KR" altLang="en-US"/>
           </a:p>
@@ -682,7 +683,7 @@
           <a:p>
             <a:fld id="{78E89258-A40F-4400-BA1A-638141289729}" type="datetime1">
               <a:rPr lang="ko-KR" altLang="en-US" smtClean="0"/>
-              <a:t>2019-01-20</a:t>
+              <a:t>2019-01-21</a:t>
             </a:fld>
             <a:endParaRPr lang="ko-KR" altLang="en-US"/>
           </a:p>
@@ -859,7 +860,7 @@
           <a:p>
             <a:fld id="{CD116CEF-802E-43F7-8932-78519DF2A264}" type="datetime1">
               <a:rPr lang="ko-KR" altLang="en-US" smtClean="0"/>
-              <a:t>2019-01-20</a:t>
+              <a:t>2019-01-21</a:t>
             </a:fld>
             <a:endParaRPr lang="ko-KR" altLang="en-US"/>
           </a:p>
@@ -1039,7 +1040,7 @@
           <a:p>
             <a:fld id="{EFD9D7C3-1982-427D-BFA7-1AF9687AAB0F}" type="datetime1">
               <a:rPr lang="ko-KR" altLang="en-US" smtClean="0"/>
-              <a:t>2019-01-20</a:t>
+              <a:t>2019-01-21</a:t>
             </a:fld>
             <a:endParaRPr lang="ko-KR" altLang="en-US"/>
           </a:p>
@@ -1209,7 +1210,7 @@
           <a:p>
             <a:fld id="{EDD93E7F-B437-40E5-8ACB-B79696783EFA}" type="datetime1">
               <a:rPr lang="ko-KR" altLang="en-US" smtClean="0"/>
-              <a:t>2019-01-20</a:t>
+              <a:t>2019-01-21</a:t>
             </a:fld>
             <a:endParaRPr lang="ko-KR" altLang="en-US"/>
           </a:p>
@@ -1453,7 +1454,7 @@
           <a:p>
             <a:fld id="{DB249950-0BD4-4F6E-BE3F-CB53B7E2FD06}" type="datetime1">
               <a:rPr lang="ko-KR" altLang="en-US" smtClean="0"/>
-              <a:t>2019-01-20</a:t>
+              <a:t>2019-01-21</a:t>
             </a:fld>
             <a:endParaRPr lang="ko-KR" altLang="en-US"/>
           </a:p>
@@ -1685,7 +1686,7 @@
           <a:p>
             <a:fld id="{7B016D7E-32C0-4DB3-B6B3-0506A62840FB}" type="datetime1">
               <a:rPr lang="ko-KR" altLang="en-US" smtClean="0"/>
-              <a:t>2019-01-20</a:t>
+              <a:t>2019-01-21</a:t>
             </a:fld>
             <a:endParaRPr lang="ko-KR" altLang="en-US"/>
           </a:p>
@@ -2052,7 +2053,7 @@
           <a:p>
             <a:fld id="{B246672D-B3FD-4B2E-92C0-4A80DA670927}" type="datetime1">
               <a:rPr lang="ko-KR" altLang="en-US" smtClean="0"/>
-              <a:t>2019-01-20</a:t>
+              <a:t>2019-01-21</a:t>
             </a:fld>
             <a:endParaRPr lang="ko-KR" altLang="en-US"/>
           </a:p>
@@ -2170,7 +2171,7 @@
           <a:p>
             <a:fld id="{9B9B7D2E-B202-4D7A-9519-0C490A04EB9C}" type="datetime1">
               <a:rPr lang="ko-KR" altLang="en-US" smtClean="0"/>
-              <a:t>2019-01-20</a:t>
+              <a:t>2019-01-21</a:t>
             </a:fld>
             <a:endParaRPr lang="ko-KR" altLang="en-US"/>
           </a:p>
@@ -2265,7 +2266,7 @@
           <a:p>
             <a:fld id="{12FB9327-987E-47D6-AE2D-63CED8A79494}" type="datetime1">
               <a:rPr lang="ko-KR" altLang="en-US" smtClean="0"/>
-              <a:t>2019-01-20</a:t>
+              <a:t>2019-01-21</a:t>
             </a:fld>
             <a:endParaRPr lang="ko-KR" altLang="en-US"/>
           </a:p>
@@ -2542,7 +2543,7 @@
           <a:p>
             <a:fld id="{D8D87011-7294-4632-A156-4F695AB9E41C}" type="datetime1">
               <a:rPr lang="ko-KR" altLang="en-US" smtClean="0"/>
-              <a:t>2019-01-20</a:t>
+              <a:t>2019-01-21</a:t>
             </a:fld>
             <a:endParaRPr lang="ko-KR" altLang="en-US"/>
           </a:p>
@@ -2799,7 +2800,7 @@
           <a:p>
             <a:fld id="{1BDC7FDB-72DE-4D65-AF4F-510496DAF70F}" type="datetime1">
               <a:rPr lang="ko-KR" altLang="en-US" smtClean="0"/>
-              <a:t>2019-01-20</a:t>
+              <a:t>2019-01-21</a:t>
             </a:fld>
             <a:endParaRPr lang="ko-KR" altLang="en-US"/>
           </a:p>
@@ -3012,7 +3013,7 @@
           <a:p>
             <a:fld id="{9A286DBF-DB43-470A-A903-26374CB6EF47}" type="datetime1">
               <a:rPr lang="ko-KR" altLang="en-US" smtClean="0"/>
-              <a:t>2019-01-20</a:t>
+              <a:t>2019-01-21</a:t>
             </a:fld>
             <a:endParaRPr lang="ko-KR" altLang="en-US"/>
           </a:p>
@@ -3428,8 +3429,8 @@
         </p:nvSpPr>
         <p:spPr bwMode="auto">
           <a:xfrm>
-            <a:off x="2574567" y="1978401"/>
-            <a:ext cx="3993402" cy="1754326"/>
+            <a:off x="2940052" y="1978401"/>
+            <a:ext cx="3262432" cy="1754326"/>
           </a:xfrm>
           <a:prstGeom prst="rect">
             <a:avLst/>
@@ -3496,7 +3497,7 @@
                 <a:latin typeface="Arial" panose="020B0604020202020204" pitchFamily="34" charset="0"/>
                 <a:cs typeface="Arial" panose="020B0604020202020204" pitchFamily="34" charset="0"/>
               </a:rPr>
-              <a:t>Lab meeting</a:t>
+              <a:t>THz EPR</a:t>
             </a:r>
             <a:endParaRPr lang="en-US" altLang="ko-KR" sz="5400" dirty="0">
               <a:solidFill>
@@ -3602,7 +3603,7 @@
           <a:p>
             <a:fld id="{32C03489-23FC-4021-B9AB-958EFB3C0FE7}" type="datetime1">
               <a:rPr lang="ko-KR" altLang="en-US" smtClean="0"/>
-              <a:t>2019-01-20</a:t>
+              <a:t>2019-01-21</a:t>
             </a:fld>
             <a:endParaRPr lang="ko-KR" altLang="en-US"/>
           </a:p>
@@ -3685,7 +3686,7 @@
           <a:p>
             <a:fld id="{EDD93E7F-B437-40E5-8ACB-B79696783EFA}" type="datetime1">
               <a:rPr lang="ko-KR" altLang="en-US" smtClean="0"/>
-              <a:t>2019-01-20</a:t>
+              <a:t>2019-01-21</a:t>
             </a:fld>
             <a:endParaRPr lang="ko-KR" altLang="en-US"/>
           </a:p>
@@ -4107,7 +4108,7 @@
           <a:p>
             <a:fld id="{EDD93E7F-B437-40E5-8ACB-B79696783EFA}" type="datetime1">
               <a:rPr lang="ko-KR" altLang="en-US" smtClean="0"/>
-              <a:t>2019-01-20</a:t>
+              <a:t>2019-01-21</a:t>
             </a:fld>
             <a:endParaRPr lang="ko-KR" altLang="en-US"/>
           </a:p>
@@ -4177,14 +4178,7 @@
                 <a:latin typeface="Arial" panose="020B0604020202020204" pitchFamily="34" charset="0"/>
                 <a:cs typeface="Arial" panose="020B0604020202020204" pitchFamily="34" charset="0"/>
               </a:rPr>
-              <a:t>single molecule magnets using coherent synchrotron radiation</a:t>
-            </a:r>
-            <a:r>
-              <a:rPr lang="en-US" altLang="ko-KR" sz="1600" b="1" dirty="0" smtClean="0">
-                <a:latin typeface="Arial" panose="020B0604020202020204" pitchFamily="34" charset="0"/>
-                <a:cs typeface="Arial" panose="020B0604020202020204" pitchFamily="34" charset="0"/>
-              </a:rPr>
-              <a:t> (Alexander </a:t>
+              <a:t>single molecule magnets using coherent synchrotron radiation (Alexander </a:t>
             </a:r>
             <a:r>
               <a:rPr lang="en-US" altLang="ko-KR" sz="1600" b="1" dirty="0" err="1" smtClean="0">
@@ -4571,6 +4565,557 @@
     <p:extLst>
       <p:ext uri="{BB962C8B-B14F-4D97-AF65-F5344CB8AC3E}">
         <p14:creationId xmlns:p14="http://schemas.microsoft.com/office/powerpoint/2010/main" val="194997006"/>
+      </p:ext>
+    </p:extLst>
+  </p:cSld>
+  <p:clrMapOvr>
+    <a:masterClrMapping/>
+  </p:clrMapOvr>
+  <p:timing>
+    <p:tnLst>
+      <p:par>
+        <p:cTn id="1" dur="indefinite" restart="never" nodeType="tmRoot"/>
+      </p:par>
+    </p:tnLst>
+  </p:timing>
+</p:sld>
+</file>
+
+<file path=ppt/slides/slide4.xml><?xml version="1.0" encoding="utf-8"?>
+<p:sld xmlns:a="http://schemas.openxmlformats.org/drawingml/2006/main" xmlns:r="http://schemas.openxmlformats.org/officeDocument/2006/relationships" xmlns:p="http://schemas.openxmlformats.org/presentationml/2006/main">
+  <p:cSld>
+    <p:spTree>
+      <p:nvGrpSpPr>
+        <p:cNvPr id="1" name=""/>
+        <p:cNvGrpSpPr/>
+        <p:nvPr/>
+      </p:nvGrpSpPr>
+      <p:grpSpPr>
+        <a:xfrm>
+          <a:off x="0" y="0"/>
+          <a:ext cx="0" cy="0"/>
+          <a:chOff x="0" y="0"/>
+          <a:chExt cx="0" cy="0"/>
+        </a:xfrm>
+      </p:grpSpPr>
+      <p:sp>
+        <p:nvSpPr>
+          <p:cNvPr id="4" name="날짜 개체 틀 3"/>
+          <p:cNvSpPr>
+            <a:spLocks noGrp="1"/>
+          </p:cNvSpPr>
+          <p:nvPr>
+            <p:ph type="dt" sz="half" idx="10"/>
+          </p:nvPr>
+        </p:nvSpPr>
+        <p:spPr/>
+        <p:txBody>
+          <a:bodyPr/>
+          <a:lstStyle/>
+          <a:p>
+            <a:fld id="{EDD93E7F-B437-40E5-8ACB-B79696783EFA}" type="datetime1">
+              <a:rPr lang="ko-KR" altLang="en-US" smtClean="0"/>
+              <a:t>2019-01-21</a:t>
+            </a:fld>
+            <a:endParaRPr lang="ko-KR" altLang="en-US"/>
+          </a:p>
+        </p:txBody>
+      </p:sp>
+      <p:sp>
+        <p:nvSpPr>
+          <p:cNvPr id="5" name="슬라이드 번호 개체 틀 4"/>
+          <p:cNvSpPr>
+            <a:spLocks noGrp="1"/>
+          </p:cNvSpPr>
+          <p:nvPr>
+            <p:ph type="sldNum" sz="quarter" idx="12"/>
+          </p:nvPr>
+        </p:nvSpPr>
+        <p:spPr/>
+        <p:txBody>
+          <a:bodyPr/>
+          <a:lstStyle/>
+          <a:p>
+            <a:fld id="{8765F8EB-1186-4395-8E70-F957669279DD}" type="slidenum">
+              <a:rPr lang="ko-KR" altLang="en-US" smtClean="0"/>
+              <a:t>4</a:t>
+            </a:fld>
+            <a:endParaRPr lang="ko-KR" altLang="en-US"/>
+          </a:p>
+        </p:txBody>
+      </p:sp>
+      <p:sp>
+        <p:nvSpPr>
+          <p:cNvPr id="19" name="TextBox 18"/>
+          <p:cNvSpPr txBox="1"/>
+          <p:nvPr/>
+        </p:nvSpPr>
+        <p:spPr>
+          <a:xfrm>
+            <a:off x="266007" y="259135"/>
+            <a:ext cx="8611986" cy="338554"/>
+          </a:xfrm>
+          <a:prstGeom prst="rect">
+            <a:avLst/>
+          </a:prstGeom>
+          <a:noFill/>
+        </p:spPr>
+        <p:txBody>
+          <a:bodyPr wrap="square" rtlCol="0">
+            <a:spAutoFit/>
+          </a:bodyPr>
+          <a:lstStyle/>
+          <a:p>
+            <a:r>
+              <a:rPr lang="en-US" altLang="ko-KR" sz="1600" b="1" dirty="0" smtClean="0">
+                <a:solidFill>
+                  <a:srgbClr val="3333FF"/>
+                </a:solidFill>
+                <a:latin typeface="Arial" panose="020B0604020202020204" pitchFamily="34" charset="0"/>
+                <a:cs typeface="Arial" panose="020B0604020202020204" pitchFamily="34" charset="0"/>
+              </a:rPr>
+              <a:t>Mie Scattering</a:t>
+            </a:r>
+            <a:endParaRPr lang="ko-KR" altLang="en-US" sz="1600" b="1" dirty="0">
+              <a:solidFill>
+                <a:srgbClr val="3333FF"/>
+              </a:solidFill>
+              <a:latin typeface="Arial" panose="020B0604020202020204" pitchFamily="34" charset="0"/>
+              <a:cs typeface="Arial" panose="020B0604020202020204" pitchFamily="34" charset="0"/>
+            </a:endParaRPr>
+          </a:p>
+        </p:txBody>
+      </p:sp>
+      <p:sp>
+        <p:nvSpPr>
+          <p:cNvPr id="9" name="TextBox 8"/>
+          <p:cNvSpPr txBox="1"/>
+          <p:nvPr/>
+        </p:nvSpPr>
+        <p:spPr>
+          <a:xfrm>
+            <a:off x="5132738" y="1087744"/>
+            <a:ext cx="3745255" cy="738664"/>
+          </a:xfrm>
+          <a:prstGeom prst="rect">
+            <a:avLst/>
+          </a:prstGeom>
+          <a:noFill/>
+        </p:spPr>
+        <p:txBody>
+          <a:bodyPr wrap="square" rtlCol="0">
+            <a:spAutoFit/>
+          </a:bodyPr>
+          <a:lstStyle/>
+          <a:p>
+            <a:pPr marL="285750" indent="-285750">
+              <a:buFontTx/>
+              <a:buChar char="-"/>
+            </a:pPr>
+            <a:r>
+              <a:rPr lang="en-US" altLang="ko-KR" sz="1400" dirty="0" smtClean="0">
+                <a:latin typeface="Arial" panose="020B0604020202020204" pitchFamily="34" charset="0"/>
+                <a:cs typeface="Arial" panose="020B0604020202020204" pitchFamily="34" charset="0"/>
+              </a:rPr>
+              <a:t>Sphere radius = 150 </a:t>
+            </a:r>
+            <a:r>
+              <a:rPr lang="en-US" altLang="ko-KR" sz="1400" dirty="0" smtClean="0">
+                <a:latin typeface="Symbol" panose="05050102010706020507" pitchFamily="18" charset="2"/>
+                <a:cs typeface="Arial" panose="020B0604020202020204" pitchFamily="34" charset="0"/>
+              </a:rPr>
+              <a:t>m</a:t>
+            </a:r>
+            <a:r>
+              <a:rPr lang="en-US" altLang="ko-KR" sz="1400" dirty="0" smtClean="0">
+                <a:latin typeface="Arial" panose="020B0604020202020204" pitchFamily="34" charset="0"/>
+                <a:cs typeface="Arial" panose="020B0604020202020204" pitchFamily="34" charset="0"/>
+              </a:rPr>
+              <a:t>m</a:t>
+            </a:r>
+          </a:p>
+          <a:p>
+            <a:pPr marL="285750" indent="-285750">
+              <a:buFontTx/>
+              <a:buChar char="-"/>
+            </a:pPr>
+            <a:r>
+              <a:rPr lang="en-US" altLang="ko-KR" sz="1400" dirty="0" smtClean="0">
+                <a:latin typeface="Arial" panose="020B0604020202020204" pitchFamily="34" charset="0"/>
+                <a:cs typeface="Arial" panose="020B0604020202020204" pitchFamily="34" charset="0"/>
+              </a:rPr>
+              <a:t>Material: </a:t>
+            </a:r>
+            <a:r>
+              <a:rPr lang="en-US" altLang="ko-KR" sz="1400" dirty="0" err="1" smtClean="0">
+                <a:latin typeface="Arial" panose="020B0604020202020204" pitchFamily="34" charset="0"/>
+                <a:cs typeface="Arial" panose="020B0604020202020204" pitchFamily="34" charset="0"/>
+              </a:rPr>
+              <a:t>VeroClear</a:t>
+            </a:r>
+            <a:r>
+              <a:rPr lang="en-US" altLang="ko-KR" sz="1400" dirty="0" smtClean="0">
+                <a:latin typeface="Arial" panose="020B0604020202020204" pitchFamily="34" charset="0"/>
+                <a:cs typeface="Arial" panose="020B0604020202020204" pitchFamily="34" charset="0"/>
+              </a:rPr>
+              <a:t> (3D printer)</a:t>
+            </a:r>
+          </a:p>
+          <a:p>
+            <a:pPr marL="285750" indent="-285750">
+              <a:buFontTx/>
+              <a:buChar char="-"/>
+            </a:pPr>
+            <a:r>
+              <a:rPr lang="en-US" altLang="ko-KR" sz="1400" dirty="0" smtClean="0">
+                <a:latin typeface="Arial" panose="020B0604020202020204" pitchFamily="34" charset="0"/>
+                <a:cs typeface="Arial" panose="020B0604020202020204" pitchFamily="34" charset="0"/>
+              </a:rPr>
+              <a:t>Source: 0.2-1.2 THz z-axis</a:t>
+            </a:r>
+            <a:endParaRPr lang="en-US" altLang="ko-KR" sz="1400" dirty="0" smtClean="0">
+              <a:latin typeface="Arial" panose="020B0604020202020204" pitchFamily="34" charset="0"/>
+              <a:cs typeface="Arial" panose="020B0604020202020204" pitchFamily="34" charset="0"/>
+            </a:endParaRPr>
+          </a:p>
+        </p:txBody>
+      </p:sp>
+      <p:pic>
+        <p:nvPicPr>
+          <p:cNvPr id="2" name="그림 1"/>
+          <p:cNvPicPr>
+            <a:picLocks noChangeAspect="1"/>
+          </p:cNvPicPr>
+          <p:nvPr/>
+        </p:nvPicPr>
+        <p:blipFill>
+          <a:blip r:embed="rId3">
+            <a:extLst>
+              <a:ext uri="{28A0092B-C50C-407E-A947-70E740481C1C}">
+                <a14:useLocalDpi xmlns:a14="http://schemas.microsoft.com/office/drawing/2010/main" val="0"/>
+              </a:ext>
+            </a:extLst>
+          </a:blip>
+          <a:stretch>
+            <a:fillRect/>
+          </a:stretch>
+        </p:blipFill>
+        <p:spPr>
+          <a:xfrm>
+            <a:off x="689956" y="3848678"/>
+            <a:ext cx="3600000" cy="2400000"/>
+          </a:xfrm>
+          <a:prstGeom prst="rect">
+            <a:avLst/>
+          </a:prstGeom>
+        </p:spPr>
+      </p:pic>
+      <p:pic>
+        <p:nvPicPr>
+          <p:cNvPr id="6" name="그림 5"/>
+          <p:cNvPicPr>
+            <a:picLocks noChangeAspect="1"/>
+          </p:cNvPicPr>
+          <p:nvPr/>
+        </p:nvPicPr>
+        <p:blipFill>
+          <a:blip r:embed="rId4">
+            <a:extLst>
+              <a:ext uri="{28A0092B-C50C-407E-A947-70E740481C1C}">
+                <a14:useLocalDpi xmlns:a14="http://schemas.microsoft.com/office/drawing/2010/main" val="0"/>
+              </a:ext>
+            </a:extLst>
+          </a:blip>
+          <a:stretch>
+            <a:fillRect/>
+          </a:stretch>
+        </p:blipFill>
+        <p:spPr>
+          <a:xfrm>
+            <a:off x="4915350" y="3848678"/>
+            <a:ext cx="3600000" cy="2400000"/>
+          </a:xfrm>
+          <a:prstGeom prst="rect">
+            <a:avLst/>
+          </a:prstGeom>
+        </p:spPr>
+      </p:pic>
+      <p:pic>
+        <p:nvPicPr>
+          <p:cNvPr id="10" name="그림 9"/>
+          <p:cNvPicPr>
+            <a:picLocks noChangeAspect="1"/>
+          </p:cNvPicPr>
+          <p:nvPr/>
+        </p:nvPicPr>
+        <p:blipFill>
+          <a:blip r:embed="rId5"/>
+          <a:stretch>
+            <a:fillRect/>
+          </a:stretch>
+        </p:blipFill>
+        <p:spPr>
+          <a:xfrm>
+            <a:off x="689956" y="615306"/>
+            <a:ext cx="3745253" cy="2791536"/>
+          </a:xfrm>
+          <a:prstGeom prst="rect">
+            <a:avLst/>
+          </a:prstGeom>
+        </p:spPr>
+      </p:pic>
+      <p:sp>
+        <p:nvSpPr>
+          <p:cNvPr id="13" name="TextBox 12"/>
+          <p:cNvSpPr txBox="1"/>
+          <p:nvPr/>
+        </p:nvSpPr>
+        <p:spPr>
+          <a:xfrm>
+            <a:off x="5132738" y="2101019"/>
+            <a:ext cx="3925133" cy="461665"/>
+          </a:xfrm>
+          <a:prstGeom prst="rect">
+            <a:avLst/>
+          </a:prstGeom>
+          <a:noFill/>
+        </p:spPr>
+        <p:txBody>
+          <a:bodyPr wrap="square" rtlCol="0">
+            <a:spAutoFit/>
+          </a:bodyPr>
+          <a:lstStyle/>
+          <a:p>
+            <a:r>
+              <a:rPr lang="en-US" altLang="ko-KR" sz="800" dirty="0" smtClean="0">
+                <a:latin typeface="Arial" panose="020B0604020202020204" pitchFamily="34" charset="0"/>
+                <a:cs typeface="Arial" panose="020B0604020202020204" pitchFamily="34" charset="0"/>
+              </a:rPr>
+              <a:t>2013-ACM Trans. Graph.-32,4,Article 138-InfraStructure:Fabricating Information </a:t>
+            </a:r>
+            <a:r>
+              <a:rPr lang="en-US" altLang="ko-KR" sz="800" dirty="0" err="1" smtClean="0">
+                <a:latin typeface="Arial" panose="020B0604020202020204" pitchFamily="34" charset="0"/>
+                <a:cs typeface="Arial" panose="020B0604020202020204" pitchFamily="34" charset="0"/>
+              </a:rPr>
+              <a:t>Inaide</a:t>
+            </a:r>
+            <a:r>
+              <a:rPr lang="en-US" altLang="ko-KR" sz="800" dirty="0" smtClean="0">
+                <a:latin typeface="Arial" panose="020B0604020202020204" pitchFamily="34" charset="0"/>
+                <a:cs typeface="Arial" panose="020B0604020202020204" pitchFamily="34" charset="0"/>
+              </a:rPr>
+              <a:t> Physical </a:t>
+            </a:r>
+            <a:r>
+              <a:rPr lang="en-US" altLang="ko-KR" sz="800" dirty="0" err="1" smtClean="0">
+                <a:latin typeface="Arial" panose="020B0604020202020204" pitchFamily="34" charset="0"/>
+                <a:cs typeface="Arial" panose="020B0604020202020204" pitchFamily="34" charset="0"/>
+              </a:rPr>
+              <a:t>Objetcts</a:t>
+            </a:r>
+            <a:r>
+              <a:rPr lang="en-US" altLang="ko-KR" sz="800" dirty="0" smtClean="0">
+                <a:latin typeface="Arial" panose="020B0604020202020204" pitchFamily="34" charset="0"/>
+                <a:cs typeface="Arial" panose="020B0604020202020204" pitchFamily="34" charset="0"/>
+              </a:rPr>
+              <a:t> for Imaging in the Terahertz Region (Karl D.D. Willis, Andrew D. Wilson)</a:t>
+            </a:r>
+            <a:endParaRPr lang="ko-KR" altLang="en-US" sz="800" dirty="0">
+              <a:latin typeface="Arial" panose="020B0604020202020204" pitchFamily="34" charset="0"/>
+              <a:cs typeface="Arial" panose="020B0604020202020204" pitchFamily="34" charset="0"/>
+            </a:endParaRPr>
+          </a:p>
+        </p:txBody>
+      </p:sp>
+      <p:graphicFrame>
+        <p:nvGraphicFramePr>
+          <p:cNvPr id="11" name="개체 10"/>
+          <p:cNvGraphicFramePr>
+            <a:graphicFrameLocks noChangeAspect="1"/>
+          </p:cNvGraphicFramePr>
+          <p:nvPr>
+            <p:extLst>
+              <p:ext uri="{D42A27DB-BD31-4B8C-83A1-F6EECF244321}">
+                <p14:modId xmlns:p14="http://schemas.microsoft.com/office/powerpoint/2010/main" val="1151298725"/>
+              </p:ext>
+            </p:extLst>
+          </p:nvPr>
+        </p:nvGraphicFramePr>
+        <p:xfrm>
+          <a:off x="6013450" y="5428500"/>
+          <a:ext cx="2946400" cy="406400"/>
+        </p:xfrm>
+        <a:graphic>
+          <a:graphicData uri="http://schemas.openxmlformats.org/presentationml/2006/ole">
+            <mc:AlternateContent xmlns:mc="http://schemas.openxmlformats.org/markup-compatibility/2006">
+              <mc:Choice xmlns:v="urn:schemas-microsoft-com:vml" Requires="v">
+                <p:oleObj spid="_x0000_s1043" name="Equation" r:id="rId6" imgW="2946240" imgH="406080" progId="Equation.DSMT4">
+                  <p:embed/>
+                </p:oleObj>
+              </mc:Choice>
+              <mc:Fallback>
+                <p:oleObj name="Equation" r:id="rId6" imgW="2946240" imgH="406080" progId="Equation.DSMT4">
+                  <p:embed/>
+                  <p:pic>
+                    <p:nvPicPr>
+                      <p:cNvPr id="0" name=""/>
+                      <p:cNvPicPr/>
+                      <p:nvPr/>
+                    </p:nvPicPr>
+                    <p:blipFill>
+                      <a:blip r:embed="rId7"/>
+                      <a:stretch>
+                        <a:fillRect/>
+                      </a:stretch>
+                    </p:blipFill>
+                    <p:spPr>
+                      <a:xfrm>
+                        <a:off x="6013450" y="5428500"/>
+                        <a:ext cx="2946400" cy="406400"/>
+                      </a:xfrm>
+                      <a:prstGeom prst="rect">
+                        <a:avLst/>
+                      </a:prstGeom>
+                    </p:spPr>
+                  </p:pic>
+                </p:oleObj>
+              </mc:Fallback>
+            </mc:AlternateContent>
+          </a:graphicData>
+        </a:graphic>
+      </p:graphicFrame>
+      <p:pic>
+        <p:nvPicPr>
+          <p:cNvPr id="15" name="그림 14"/>
+          <p:cNvPicPr>
+            <a:picLocks noChangeAspect="1"/>
+          </p:cNvPicPr>
+          <p:nvPr/>
+        </p:nvPicPr>
+        <p:blipFill>
+          <a:blip r:embed="rId8"/>
+          <a:stretch>
+            <a:fillRect/>
+          </a:stretch>
+        </p:blipFill>
+        <p:spPr>
+          <a:xfrm>
+            <a:off x="6934425" y="2566519"/>
+            <a:ext cx="1440000" cy="1091765"/>
+          </a:xfrm>
+          <a:prstGeom prst="rect">
+            <a:avLst/>
+          </a:prstGeom>
+        </p:spPr>
+      </p:pic>
+      <p:pic>
+        <p:nvPicPr>
+          <p:cNvPr id="16" name="그림 15"/>
+          <p:cNvPicPr>
+            <a:picLocks noChangeAspect="1"/>
+          </p:cNvPicPr>
+          <p:nvPr/>
+        </p:nvPicPr>
+        <p:blipFill>
+          <a:blip r:embed="rId9"/>
+          <a:stretch>
+            <a:fillRect/>
+          </a:stretch>
+        </p:blipFill>
+        <p:spPr>
+          <a:xfrm>
+            <a:off x="5132738" y="2541393"/>
+            <a:ext cx="1440000" cy="1091764"/>
+          </a:xfrm>
+          <a:prstGeom prst="rect">
+            <a:avLst/>
+          </a:prstGeom>
+        </p:spPr>
+      </p:pic>
+      <p:sp>
+        <p:nvSpPr>
+          <p:cNvPr id="17" name="TextBox 16"/>
+          <p:cNvSpPr txBox="1"/>
+          <p:nvPr/>
+        </p:nvSpPr>
+        <p:spPr>
+          <a:xfrm>
+            <a:off x="4695824" y="2433720"/>
+            <a:ext cx="682625" cy="307777"/>
+          </a:xfrm>
+          <a:prstGeom prst="rect">
+            <a:avLst/>
+          </a:prstGeom>
+          <a:noFill/>
+        </p:spPr>
+        <p:txBody>
+          <a:bodyPr wrap="square" rtlCol="0">
+            <a:spAutoFit/>
+          </a:bodyPr>
+          <a:lstStyle/>
+          <a:p>
+            <a:r>
+              <a:rPr lang="en-US" altLang="ko-KR" sz="1400" dirty="0" smtClean="0">
+                <a:latin typeface="Arial" panose="020B0604020202020204" pitchFamily="34" charset="0"/>
+                <a:cs typeface="Arial" panose="020B0604020202020204" pitchFamily="34" charset="0"/>
+              </a:rPr>
+              <a:t>Re(n)</a:t>
+            </a:r>
+            <a:endParaRPr lang="ko-KR" altLang="en-US" sz="1400" dirty="0">
+              <a:latin typeface="Arial" panose="020B0604020202020204" pitchFamily="34" charset="0"/>
+              <a:cs typeface="Arial" panose="020B0604020202020204" pitchFamily="34" charset="0"/>
+            </a:endParaRPr>
+          </a:p>
+        </p:txBody>
+      </p:sp>
+      <p:sp>
+        <p:nvSpPr>
+          <p:cNvPr id="20" name="TextBox 19"/>
+          <p:cNvSpPr txBox="1"/>
+          <p:nvPr/>
+        </p:nvSpPr>
+        <p:spPr>
+          <a:xfrm>
+            <a:off x="6535534" y="2433720"/>
+            <a:ext cx="682625" cy="307777"/>
+          </a:xfrm>
+          <a:prstGeom prst="rect">
+            <a:avLst/>
+          </a:prstGeom>
+          <a:noFill/>
+        </p:spPr>
+        <p:txBody>
+          <a:bodyPr wrap="square" rtlCol="0">
+            <a:spAutoFit/>
+          </a:bodyPr>
+          <a:lstStyle/>
+          <a:p>
+            <a:r>
+              <a:rPr lang="en-US" altLang="ko-KR" sz="1400" dirty="0" err="1" smtClean="0">
+                <a:latin typeface="Arial" panose="020B0604020202020204" pitchFamily="34" charset="0"/>
+                <a:cs typeface="Arial" panose="020B0604020202020204" pitchFamily="34" charset="0"/>
+              </a:rPr>
+              <a:t>Im</a:t>
+            </a:r>
+            <a:r>
+              <a:rPr lang="en-US" altLang="ko-KR" sz="1400" dirty="0" smtClean="0">
+                <a:latin typeface="Arial" panose="020B0604020202020204" pitchFamily="34" charset="0"/>
+                <a:cs typeface="Arial" panose="020B0604020202020204" pitchFamily="34" charset="0"/>
+              </a:rPr>
+              <a:t>(n)</a:t>
+            </a:r>
+            <a:endParaRPr lang="ko-KR" altLang="en-US" sz="1400" dirty="0">
+              <a:latin typeface="Arial" panose="020B0604020202020204" pitchFamily="34" charset="0"/>
+              <a:cs typeface="Arial" panose="020B0604020202020204" pitchFamily="34" charset="0"/>
+            </a:endParaRPr>
+          </a:p>
+        </p:txBody>
+      </p:sp>
+    </p:spTree>
+    <p:extLst>
+      <p:ext uri="{BB962C8B-B14F-4D97-AF65-F5344CB8AC3E}">
+        <p14:creationId xmlns:p14="http://schemas.microsoft.com/office/powerpoint/2010/main" val="504088837"/>
       </p:ext>
     </p:extLst>
   </p:cSld>
